--- a/Daniel Garoz.pptx
+++ b/Daniel Garoz.pptx
@@ -4630,7 +4630,19 @@
           <a:p>
             <a:r>
               <a:rPr lang="es-ES" dirty="0" smtClean="0"/>
-              <a:t>Historia de Iban Lopez</a:t>
+              <a:t>Historia </a:t>
+            </a:r>
+            <a:r>
+              <a:rPr lang="es-ES" smtClean="0"/>
+              <a:t>de </a:t>
+            </a:r>
+            <a:r>
+              <a:rPr lang="es-ES" smtClean="0"/>
+              <a:t>Ivan </a:t>
+            </a:r>
+            <a:r>
+              <a:rPr lang="es-ES" dirty="0" smtClean="0"/>
+              <a:t>Lopez</a:t>
             </a:r>
           </a:p>
           <a:p>
@@ -6625,8 +6637,8 @@
         </p:nvSpPr>
         <p:spPr>
           <a:xfrm>
-            <a:off x="3140603" y="2071561"/>
-            <a:ext cx="3867026" cy="1570784"/>
+            <a:off x="2185060" y="2071561"/>
+            <a:ext cx="7754587" cy="1570784"/>
           </a:xfrm>
         </p:spPr>
         <p:txBody>
@@ -6635,34 +6647,24 @@
           </a:bodyPr>
           <a:lstStyle/>
           <a:p>
-            <a:r>
-              <a:rPr lang="es-ES" dirty="0" err="1" smtClean="0"/>
-              <a:t>url</a:t>
-            </a:r>
-            <a:r>
-              <a:rPr lang="es-ES" dirty="0" smtClean="0"/>
-              <a:t> de la presentación</a:t>
-            </a:r>
-          </a:p>
-          <a:p>
-            <a:r>
-              <a:rPr lang="es-ES" dirty="0" err="1" smtClean="0"/>
-              <a:t>url</a:t>
-            </a:r>
-            <a:r>
-              <a:rPr lang="es-ES" dirty="0" smtClean="0"/>
-              <a:t> del </a:t>
-            </a:r>
-            <a:r>
-              <a:rPr lang="es-ES" dirty="0" err="1" smtClean="0"/>
-              <a:t>github</a:t>
-            </a:r>
-            <a:endParaRPr lang="es-ES" dirty="0" smtClean="0"/>
-          </a:p>
-          <a:p>
             <a:pPr marL="0" indent="0">
               <a:buNone/>
             </a:pPr>
+            <a:endParaRPr lang="es-ES" dirty="0" smtClean="0"/>
+          </a:p>
+          <a:p>
+            <a:r>
+              <a:rPr lang="es-ES" b="1" dirty="0" err="1" smtClean="0"/>
+              <a:t>Github</a:t>
+            </a:r>
+            <a:r>
+              <a:rPr lang="es-ES" b="1" dirty="0" smtClean="0"/>
+              <a:t>: http</a:t>
+            </a:r>
+            <a:r>
+              <a:rPr lang="es-ES" b="1" dirty="0"/>
+              <a:t>://xurl.es/github</a:t>
+            </a:r>
             <a:endParaRPr lang="es-ES" dirty="0"/>
           </a:p>
           <a:p>
@@ -8593,8 +8595,8 @@
         </p:nvSpPr>
         <p:spPr>
           <a:xfrm>
-            <a:off x="1926798" y="2087744"/>
-            <a:ext cx="8269166" cy="2613727"/>
+            <a:off x="368135" y="2087744"/>
+            <a:ext cx="11994077" cy="2613727"/>
           </a:xfrm>
         </p:spPr>
         <p:txBody>

--- a/Daniel Garoz.pptx
+++ b/Daniel Garoz.pptx
@@ -4630,14 +4630,10 @@
           <a:p>
             <a:r>
               <a:rPr lang="es-ES" dirty="0" smtClean="0"/>
-              <a:t>Historia </a:t>
-            </a:r>
-            <a:r>
-              <a:rPr lang="es-ES" smtClean="0"/>
-              <a:t>de </a:t>
-            </a:r>
-            <a:r>
-              <a:rPr lang="es-ES" smtClean="0"/>
+              <a:t>Historia de </a:t>
+            </a:r>
+            <a:r>
+              <a:rPr lang="es-ES" dirty="0" smtClean="0"/>
               <a:t>Ivan </a:t>
             </a:r>
             <a:r>

--- a/Daniel Garoz.pptx
+++ b/Daniel Garoz.pptx
@@ -5,10 +5,10 @@
     <p:sldMasterId id="2147483672" r:id="rId2"/>
   </p:sldMasterIdLst>
   <p:notesMasterIdLst>
-    <p:notesMasterId r:id="rId33"/>
+    <p:notesMasterId r:id="rId34"/>
   </p:notesMasterIdLst>
   <p:handoutMasterIdLst>
-    <p:handoutMasterId r:id="rId34"/>
+    <p:handoutMasterId r:id="rId35"/>
   </p:handoutMasterIdLst>
   <p:sldIdLst>
     <p:sldId id="270" r:id="rId3"/>
@@ -38,9 +38,10 @@
     <p:sldId id="295" r:id="rId27"/>
     <p:sldId id="296" r:id="rId28"/>
     <p:sldId id="297" r:id="rId29"/>
-    <p:sldId id="299" r:id="rId30"/>
-    <p:sldId id="300" r:id="rId31"/>
-    <p:sldId id="302" r:id="rId32"/>
+    <p:sldId id="303" r:id="rId30"/>
+    <p:sldId id="299" r:id="rId31"/>
+    <p:sldId id="300" r:id="rId32"/>
+    <p:sldId id="302" r:id="rId33"/>
   </p:sldIdLst>
   <p:sldSz cx="12192000" cy="6858000"/>
   <p:notesSz cx="6858000" cy="9144000"/>
@@ -10941,6 +10942,12 @@
             </a:r>
           </a:p>
           <a:p>
+            <a:endParaRPr lang="es-ES" dirty="0"/>
+          </a:p>
+          <a:p>
+            <a:endParaRPr lang="es-ES" dirty="0" smtClean="0"/>
+          </a:p>
+          <a:p>
             <a:pPr marL="0" indent="0">
               <a:buNone/>
             </a:pPr>
@@ -11229,8 +11236,8 @@
         </p:nvSpPr>
         <p:spPr>
           <a:xfrm>
-            <a:off x="1909719" y="2548992"/>
-            <a:ext cx="9742811" cy="2419518"/>
+            <a:off x="1488935" y="860033"/>
+            <a:ext cx="9750902" cy="4812483"/>
           </a:xfrm>
         </p:spPr>
         <p:txBody>
@@ -11239,15 +11246,56 @@
           </a:bodyPr>
           <a:lstStyle/>
           <a:p>
+            <a:r>
+              <a:rPr lang="es-ES" dirty="0" smtClean="0"/>
+              <a:t>Charla TS de </a:t>
+            </a:r>
+            <a:r>
+              <a:rPr lang="es-ES" dirty="0" err="1" smtClean="0"/>
+              <a:t>Micael</a:t>
+            </a:r>
+            <a:r>
+              <a:rPr lang="es-ES" dirty="0"/>
+              <a:t> </a:t>
+            </a:r>
+            <a:r>
+              <a:rPr lang="es-ES" err="1"/>
+              <a:t>Gallego</a:t>
+            </a:r>
+            <a:r>
+              <a:rPr lang="es-ES" smtClean="0"/>
+              <a:t>: https</a:t>
+            </a:r>
+            <a:r>
+              <a:rPr lang="es-ES" dirty="0"/>
+              <a:t>://www.youtube.com/watch?v=32cPEcX3Qa0</a:t>
+            </a:r>
+            <a:endParaRPr lang="es-ES" dirty="0" smtClean="0"/>
+          </a:p>
+          <a:p>
+            <a:endParaRPr lang="es-ES" dirty="0"/>
+          </a:p>
+          <a:p>
+            <a:r>
+              <a:rPr lang="es-ES" dirty="0" err="1" smtClean="0"/>
+              <a:t>Presentacion</a:t>
+            </a:r>
+            <a:r>
+              <a:rPr lang="es-ES" dirty="0" smtClean="0"/>
+              <a:t> de </a:t>
+            </a:r>
+            <a:r>
+              <a:rPr lang="es-ES" dirty="0"/>
+              <a:t>la charla: http://www.slideshare.net/micaelgallego/typescript-un-lenguaje-aburrido-para-programadores-torpes-y-tristes</a:t>
+            </a:r>
+          </a:p>
+          <a:p>
+            <a:endParaRPr lang="es-ES" dirty="0" smtClean="0"/>
+          </a:p>
+          <a:p>
             <a:pPr marL="0" indent="0">
               <a:buNone/>
             </a:pPr>
-            <a:r>
-              <a:rPr lang="es-ES" sz="6600" dirty="0" smtClean="0"/>
-              <a:t>Orientación a objetos</a:t>
-            </a:r>
-          </a:p>
-          <a:p>
             <a:endParaRPr lang="es-ES" dirty="0" smtClean="0"/>
           </a:p>
           <a:p>
@@ -11264,7 +11312,7 @@
     </p:spTree>
     <p:extLst>
       <p:ext uri="{BB962C8B-B14F-4D97-AF65-F5344CB8AC3E}">
-        <p14:creationId xmlns:p14="http://schemas.microsoft.com/office/powerpoint/2010/main" val="2820264022"/>
+        <p14:creationId xmlns:p14="http://schemas.microsoft.com/office/powerpoint/2010/main" val="1978484326"/>
       </p:ext>
     </p:extLst>
   </p:cSld>
@@ -11533,8 +11581,8 @@
         </p:nvSpPr>
         <p:spPr>
           <a:xfrm>
-            <a:off x="1488935" y="860033"/>
-            <a:ext cx="9750902" cy="4812483"/>
+            <a:off x="1909719" y="2548992"/>
+            <a:ext cx="9742811" cy="2419518"/>
           </a:xfrm>
         </p:spPr>
         <p:txBody>
@@ -11543,60 +11591,15 @@
           </a:bodyPr>
           <a:lstStyle/>
           <a:p>
-            <a:r>
-              <a:rPr lang="es-ES" dirty="0" err="1" smtClean="0"/>
-              <a:t>Clean</a:t>
-            </a:r>
-            <a:r>
-              <a:rPr lang="es-ES" dirty="0" smtClean="0"/>
-              <a:t> </a:t>
-            </a:r>
-            <a:r>
-              <a:rPr lang="es-ES" dirty="0" err="1" smtClean="0"/>
-              <a:t>Code</a:t>
-            </a:r>
-            <a:r>
-              <a:rPr lang="es-ES" dirty="0" smtClean="0"/>
-              <a:t>, obligatorio.</a:t>
-            </a:r>
-          </a:p>
-          <a:p>
-            <a:endParaRPr lang="es-ES" dirty="0"/>
-          </a:p>
-          <a:p>
-            <a:r>
-              <a:rPr lang="es-ES" dirty="0" smtClean="0"/>
-              <a:t>¿Qué es una clase?</a:t>
-            </a:r>
-          </a:p>
-          <a:p>
-            <a:endParaRPr lang="es-ES" dirty="0"/>
-          </a:p>
-          <a:p>
-            <a:r>
-              <a:rPr lang="es-ES" dirty="0" smtClean="0"/>
-              <a:t>¿Qué es un objeto?</a:t>
-            </a:r>
-          </a:p>
-          <a:p>
-            <a:endParaRPr lang="es-ES" dirty="0"/>
-          </a:p>
-          <a:p>
-            <a:r>
-              <a:rPr lang="es-ES" dirty="0" smtClean="0"/>
-              <a:t>¿Qué es un polimorfismo?</a:t>
-            </a:r>
-          </a:p>
-          <a:p>
-            <a:endParaRPr lang="es-ES" dirty="0"/>
-          </a:p>
-          <a:p>
-            <a:endParaRPr lang="es-ES" dirty="0" smtClean="0"/>
-          </a:p>
-          <a:p>
             <a:pPr marL="0" indent="0">
               <a:buNone/>
             </a:pPr>
+            <a:r>
+              <a:rPr lang="es-ES" sz="6600" dirty="0" smtClean="0"/>
+              <a:t>Orientación a objetos</a:t>
+            </a:r>
+          </a:p>
+          <a:p>
             <a:endParaRPr lang="es-ES" dirty="0" smtClean="0"/>
           </a:p>
           <a:p>
@@ -11613,7 +11616,7 @@
     </p:spTree>
     <p:extLst>
       <p:ext uri="{BB962C8B-B14F-4D97-AF65-F5344CB8AC3E}">
-        <p14:creationId xmlns:p14="http://schemas.microsoft.com/office/powerpoint/2010/main" val="2899731968"/>
+        <p14:creationId xmlns:p14="http://schemas.microsoft.com/office/powerpoint/2010/main" val="2820264022"/>
       </p:ext>
     </p:extLst>
   </p:cSld>
@@ -11944,6 +11947,355 @@
 </file>
 
 <file path=ppt/slides/slide30.xml><?xml version="1.0" encoding="utf-8"?>
+<p:sld xmlns:a="http://schemas.openxmlformats.org/drawingml/2006/main" xmlns:r="http://schemas.openxmlformats.org/officeDocument/2006/relationships" xmlns:p="http://schemas.openxmlformats.org/presentationml/2006/main">
+  <p:cSld>
+    <p:spTree>
+      <p:nvGrpSpPr>
+        <p:cNvPr id="1" name=""/>
+        <p:cNvGrpSpPr/>
+        <p:nvPr/>
+      </p:nvGrpSpPr>
+      <p:grpSpPr>
+        <a:xfrm>
+          <a:off x="0" y="0"/>
+          <a:ext cx="0" cy="0"/>
+          <a:chOff x="0" y="0"/>
+          <a:chExt cx="0" cy="0"/>
+        </a:xfrm>
+      </p:grpSpPr>
+      <p:sp>
+        <p:nvSpPr>
+          <p:cNvPr id="8" name="TextBox 7"/>
+          <p:cNvSpPr txBox="1"/>
+          <p:nvPr/>
+        </p:nvSpPr>
+        <p:spPr>
+          <a:xfrm>
+            <a:off x="9744982" y="6094232"/>
+            <a:ext cx="2190023" cy="461665"/>
+          </a:xfrm>
+          <a:prstGeom prst="rect">
+            <a:avLst/>
+          </a:prstGeom>
+          <a:noFill/>
+        </p:spPr>
+        <p:txBody>
+          <a:bodyPr wrap="none" rtlCol="0">
+            <a:spAutoFit/>
+          </a:bodyPr>
+          <a:lstStyle/>
+          <a:p>
+            <a:r>
+              <a:rPr lang="es-ES" sz="2400" dirty="0" smtClean="0">
+                <a:solidFill>
+                  <a:schemeClr val="tx2"/>
+                </a:solidFill>
+                <a:latin typeface="+mj-lt"/>
+                <a:ea typeface="+mj-ea"/>
+                <a:cs typeface="+mj-cs"/>
+              </a:rPr>
+              <a:t>@</a:t>
+            </a:r>
+            <a:r>
+              <a:rPr lang="es-ES" sz="2400" dirty="0" err="1" smtClean="0">
+                <a:solidFill>
+                  <a:schemeClr val="tx2"/>
+                </a:solidFill>
+                <a:latin typeface="+mj-lt"/>
+                <a:ea typeface="+mj-ea"/>
+                <a:cs typeface="+mj-cs"/>
+              </a:rPr>
+              <a:t>SoySrHuevo</a:t>
+            </a:r>
+            <a:endParaRPr lang="es-ES" sz="2400" dirty="0" smtClean="0">
+              <a:solidFill>
+                <a:schemeClr val="tx2"/>
+              </a:solidFill>
+              <a:latin typeface="+mj-lt"/>
+              <a:ea typeface="+mj-ea"/>
+              <a:cs typeface="+mj-cs"/>
+            </a:endParaRPr>
+          </a:p>
+        </p:txBody>
+      </p:sp>
+      <p:pic>
+        <p:nvPicPr>
+          <p:cNvPr id="4" name="Picture 3"/>
+          <p:cNvPicPr>
+            <a:picLocks noChangeAspect="1"/>
+          </p:cNvPicPr>
+          <p:nvPr/>
+        </p:nvPicPr>
+        <p:blipFill>
+          <a:blip r:embed="rId2" cstate="print">
+            <a:extLst>
+              <a:ext uri="{28A0092B-C50C-407E-A947-70E740481C1C}">
+                <a14:useLocalDpi xmlns:a14="http://schemas.microsoft.com/office/drawing/2010/main" val="0"/>
+              </a:ext>
+            </a:extLst>
+          </a:blip>
+          <a:stretch>
+            <a:fillRect/>
+          </a:stretch>
+        </p:blipFill>
+        <p:spPr>
+          <a:xfrm>
+            <a:off x="8958706" y="5769621"/>
+            <a:ext cx="786276" cy="786276"/>
+          </a:xfrm>
+          <a:prstGeom prst="ellipse">
+            <a:avLst/>
+          </a:prstGeom>
+          <a:ln w="63500" cap="rnd">
+            <a:solidFill>
+              <a:srgbClr val="333333"/>
+            </a:solidFill>
+          </a:ln>
+          <a:effectLst>
+            <a:outerShdw blurRad="381000" dist="292100" dir="5400000" sx="-80000" sy="-18000" rotWithShape="0">
+              <a:srgbClr val="000000">
+                <a:alpha val="22000"/>
+              </a:srgbClr>
+            </a:outerShdw>
+          </a:effectLst>
+          <a:scene3d>
+            <a:camera prst="orthographicFront"/>
+            <a:lightRig rig="contrasting" dir="t">
+              <a:rot lat="0" lon="0" rev="3000000"/>
+            </a:lightRig>
+          </a:scene3d>
+          <a:sp3d contourW="7620">
+            <a:bevelT w="95250" h="31750"/>
+            <a:contourClr>
+              <a:srgbClr val="333333"/>
+            </a:contourClr>
+          </a:sp3d>
+        </p:spPr>
+      </p:pic>
+      <p:sp>
+        <p:nvSpPr>
+          <p:cNvPr id="5" name="TextBox 4"/>
+          <p:cNvSpPr txBox="1"/>
+          <p:nvPr/>
+        </p:nvSpPr>
+        <p:spPr>
+          <a:xfrm>
+            <a:off x="0" y="0"/>
+            <a:ext cx="3140603" cy="461665"/>
+          </a:xfrm>
+          <a:prstGeom prst="rect">
+            <a:avLst/>
+          </a:prstGeom>
+          <a:noFill/>
+        </p:spPr>
+        <p:txBody>
+          <a:bodyPr wrap="none" rtlCol="0">
+            <a:spAutoFit/>
+          </a:bodyPr>
+          <a:lstStyle/>
+          <a:p>
+            <a:r>
+              <a:rPr lang="es-ES" sz="2400" dirty="0" smtClean="0">
+                <a:solidFill>
+                  <a:schemeClr val="tx2"/>
+                </a:solidFill>
+                <a:latin typeface="+mj-lt"/>
+                <a:ea typeface="+mj-ea"/>
+                <a:cs typeface="+mj-cs"/>
+              </a:rPr>
+              <a:t>@</a:t>
+            </a:r>
+            <a:r>
+              <a:rPr lang="es-ES" sz="2400" dirty="0" err="1" smtClean="0">
+                <a:solidFill>
+                  <a:schemeClr val="tx2"/>
+                </a:solidFill>
+                <a:latin typeface="+mj-lt"/>
+                <a:ea typeface="+mj-ea"/>
+                <a:cs typeface="+mj-cs"/>
+              </a:rPr>
+              <a:t>MeetupMadridSur</a:t>
+            </a:r>
+            <a:endParaRPr lang="es-ES" sz="2400" dirty="0" smtClean="0">
+              <a:solidFill>
+                <a:schemeClr val="tx2"/>
+              </a:solidFill>
+              <a:latin typeface="+mj-lt"/>
+              <a:ea typeface="+mj-ea"/>
+              <a:cs typeface="+mj-cs"/>
+            </a:endParaRPr>
+          </a:p>
+        </p:txBody>
+      </p:sp>
+      <p:sp>
+        <p:nvSpPr>
+          <p:cNvPr id="7" name="TextBox 6"/>
+          <p:cNvSpPr txBox="1"/>
+          <p:nvPr/>
+        </p:nvSpPr>
+        <p:spPr>
+          <a:xfrm>
+            <a:off x="0" y="6094232"/>
+            <a:ext cx="1800493" cy="461665"/>
+          </a:xfrm>
+          <a:prstGeom prst="rect">
+            <a:avLst/>
+          </a:prstGeom>
+          <a:noFill/>
+        </p:spPr>
+        <p:txBody>
+          <a:bodyPr wrap="none" rtlCol="0">
+            <a:spAutoFit/>
+          </a:bodyPr>
+          <a:lstStyle/>
+          <a:p>
+            <a:r>
+              <a:rPr lang="es-ES" sz="2400" dirty="0">
+                <a:solidFill>
+                  <a:schemeClr val="tx2"/>
+                </a:solidFill>
+                <a:latin typeface="+mj-lt"/>
+                <a:ea typeface="+mj-ea"/>
+                <a:cs typeface="+mj-cs"/>
+              </a:rPr>
+              <a:t>#</a:t>
+            </a:r>
+            <a:r>
+              <a:rPr lang="es-ES" sz="2400" dirty="0" smtClean="0">
+                <a:solidFill>
+                  <a:schemeClr val="tx2"/>
+                </a:solidFill>
+                <a:latin typeface="+mj-lt"/>
+                <a:ea typeface="+mj-ea"/>
+                <a:cs typeface="+mj-cs"/>
+              </a:rPr>
+              <a:t>ion2ang2</a:t>
+            </a:r>
+          </a:p>
+        </p:txBody>
+      </p:sp>
+      <p:sp>
+        <p:nvSpPr>
+          <p:cNvPr id="3" name="Content Placeholder 2"/>
+          <p:cNvSpPr>
+            <a:spLocks noGrp="1"/>
+          </p:cNvSpPr>
+          <p:nvPr>
+            <p:ph idx="1"/>
+          </p:nvPr>
+        </p:nvSpPr>
+        <p:spPr>
+          <a:xfrm>
+            <a:off x="1488935" y="860033"/>
+            <a:ext cx="9750902" cy="4812483"/>
+          </a:xfrm>
+        </p:spPr>
+        <p:txBody>
+          <a:bodyPr>
+            <a:normAutofit/>
+          </a:bodyPr>
+          <a:lstStyle/>
+          <a:p>
+            <a:r>
+              <a:rPr lang="es-ES" dirty="0" err="1" smtClean="0"/>
+              <a:t>Clean</a:t>
+            </a:r>
+            <a:r>
+              <a:rPr lang="es-ES" dirty="0" smtClean="0"/>
+              <a:t> </a:t>
+            </a:r>
+            <a:r>
+              <a:rPr lang="es-ES" dirty="0" err="1" smtClean="0"/>
+              <a:t>Code</a:t>
+            </a:r>
+            <a:r>
+              <a:rPr lang="es-ES" dirty="0" smtClean="0"/>
+              <a:t>, obligatorio.</a:t>
+            </a:r>
+          </a:p>
+          <a:p>
+            <a:endParaRPr lang="es-ES" dirty="0"/>
+          </a:p>
+          <a:p>
+            <a:r>
+              <a:rPr lang="es-ES" dirty="0" smtClean="0"/>
+              <a:t>¿Qué es una clase?</a:t>
+            </a:r>
+          </a:p>
+          <a:p>
+            <a:endParaRPr lang="es-ES" dirty="0"/>
+          </a:p>
+          <a:p>
+            <a:r>
+              <a:rPr lang="es-ES" dirty="0" smtClean="0"/>
+              <a:t>¿Qué es un objeto?</a:t>
+            </a:r>
+          </a:p>
+          <a:p>
+            <a:endParaRPr lang="es-ES" dirty="0"/>
+          </a:p>
+          <a:p>
+            <a:r>
+              <a:rPr lang="es-ES" dirty="0" smtClean="0"/>
+              <a:t>¿Qué es un polimorfismo?</a:t>
+            </a:r>
+          </a:p>
+          <a:p>
+            <a:endParaRPr lang="es-ES" dirty="0"/>
+          </a:p>
+          <a:p>
+            <a:endParaRPr lang="es-ES" dirty="0" smtClean="0"/>
+          </a:p>
+          <a:p>
+            <a:pPr marL="0" indent="0">
+              <a:buNone/>
+            </a:pPr>
+            <a:endParaRPr lang="es-ES" dirty="0" smtClean="0"/>
+          </a:p>
+          <a:p>
+            <a:pPr marL="0" indent="0">
+              <a:buNone/>
+            </a:pPr>
+            <a:endParaRPr lang="es-ES" dirty="0"/>
+          </a:p>
+          <a:p>
+            <a:endParaRPr lang="es-ES" dirty="0" smtClean="0"/>
+          </a:p>
+        </p:txBody>
+      </p:sp>
+    </p:spTree>
+    <p:extLst>
+      <p:ext uri="{BB962C8B-B14F-4D97-AF65-F5344CB8AC3E}">
+        <p14:creationId xmlns:p14="http://schemas.microsoft.com/office/powerpoint/2010/main" val="2899731968"/>
+      </p:ext>
+    </p:extLst>
+  </p:cSld>
+  <p:clrMapOvr>
+    <a:masterClrMapping/>
+  </p:clrMapOvr>
+  <mc:AlternateContent xmlns:mc="http://schemas.openxmlformats.org/markup-compatibility/2006" xmlns:p14="http://schemas.microsoft.com/office/powerpoint/2010/main">
+    <mc:Choice Requires="p14">
+      <p:transition spd="med" p14:dur="700">
+        <p:fade/>
+      </p:transition>
+    </mc:Choice>
+    <mc:Fallback xmlns="">
+      <p:transition spd="med">
+        <p:fade/>
+      </p:transition>
+    </mc:Fallback>
+  </mc:AlternateContent>
+  <p:timing>
+    <p:tnLst>
+      <p:par>
+        <p:cTn id="1" dur="indefinite" restart="never" nodeType="tmRoot"/>
+      </p:par>
+    </p:tnLst>
+  </p:timing>
+</p:sld>
+</file>
+
+<file path=ppt/slides/slide31.xml><?xml version="1.0" encoding="utf-8"?>
 <p:sld xmlns:a="http://schemas.openxmlformats.org/drawingml/2006/main" xmlns:r="http://schemas.openxmlformats.org/officeDocument/2006/relationships" xmlns:p="http://schemas.openxmlformats.org/presentationml/2006/main">
   <p:cSld>
     <p:spTree>
